--- a/2017年终总结-曹颜海2.pptx
+++ b/2017年终总结-曹颜海2.pptx
@@ -198,7 +198,7 @@
   <p:extLst>
     <p:ext uri="{EFAFB233-063F-42B5-8137-9DF3F51BA10A}">
       <p15:sldGuideLst xmlns:p15="http://schemas.microsoft.com/office/powerpoint/2012/main">
-        <p15:guide id="1" orient="horz" pos="2160">
+        <p15:guide id="1" orient="horz" pos="2160" userDrawn="1">
           <p15:clr>
             <a:srgbClr val="A4A3A4"/>
           </p15:clr>
@@ -3509,7 +3509,7 @@
         </p:nvSpPr>
         <p:spPr>
           <a:xfrm>
-            <a:off x="1101725" y="4929198"/>
+            <a:off x="1000100" y="5341307"/>
             <a:ext cx="6940550" cy="461665"/>
           </a:xfrm>
           <a:prstGeom prst="rect">
@@ -3527,7 +3527,7 @@
               <a:rPr lang="zh-CN" altLang="en-US" sz="2400" dirty="0">
                 <a:latin typeface="宋体" panose="02010600030101010101" pitchFamily="2" charset="-122"/>
               </a:rPr>
-              <a:t>1、以上是</a:t>
+              <a:t>以上是</a:t>
             </a:r>
             <a:r>
               <a:rPr lang="en-US" altLang="zh-CN" sz="2400" dirty="0">
@@ -3592,11 +3592,17 @@
           <p:cNvGraphicFramePr>
             <a:graphicFrameLocks noGrp="1"/>
           </p:cNvGraphicFramePr>
-          <p:nvPr/>
+          <p:nvPr>
+            <p:extLst>
+              <p:ext uri="{D42A27DB-BD31-4B8C-83A1-F6EECF244321}">
+                <p14:modId xmlns:p14="http://schemas.microsoft.com/office/powerpoint/2010/main" val="1951930639"/>
+              </p:ext>
+            </p:extLst>
+          </p:nvPr>
         </p:nvGraphicFramePr>
         <p:xfrm>
           <a:off x="1000100" y="1285860"/>
-          <a:ext cx="7143800" cy="3429024"/>
+          <a:ext cx="7143800" cy="3511296"/>
         </p:xfrm>
         <a:graphic>
           <a:graphicData uri="http://schemas.openxmlformats.org/drawingml/2006/table">
@@ -3625,7 +3631,7 @@
                   </a:extLst>
                 </a:gridCol>
               </a:tblGrid>
-              <a:tr h="285752">
+              <a:tr h="292608">
                 <a:tc>
                   <a:txBody>
                     <a:bodyPr/>
@@ -3800,7 +3806,7 @@
                   </a:ext>
                 </a:extLst>
               </a:tr>
-              <a:tr h="285752">
+              <a:tr h="292608">
                 <a:tc>
                   <a:txBody>
                     <a:bodyPr/>
@@ -3993,7 +3999,7 @@
                   </a:ext>
                 </a:extLst>
               </a:tr>
-              <a:tr h="285752">
+              <a:tr h="292608">
                 <a:tc>
                   <a:txBody>
                     <a:bodyPr/>
@@ -4131,13 +4137,22 @@
                     <a:p>
                       <a:pPr algn="ctr" fontAlgn="ctr"/>
                       <a:r>
+                        <a:rPr lang="en-US" altLang="zh-CN" sz="1500" b="0" i="0" u="none" strike="noStrike" dirty="0">
+                          <a:solidFill>
+                            <a:srgbClr val="000000"/>
+                          </a:solidFill>
+                          <a:latin typeface="微软雅黑"/>
+                        </a:rPr>
+                        <a:t>3</a:t>
+                      </a:r>
+                      <a:r>
                         <a:rPr lang="zh-CN" altLang="en-US" sz="1500" b="0" i="0" u="none" strike="noStrike" dirty="0">
                           <a:solidFill>
                             <a:srgbClr val="000000"/>
                           </a:solidFill>
                           <a:latin typeface="微软雅黑"/>
                         </a:rPr>
-                        <a:t>　</a:t>
+                        <a:t>月份开始　</a:t>
                       </a:r>
                     </a:p>
                   </a:txBody>
@@ -4186,7 +4201,7 @@
                   </a:ext>
                 </a:extLst>
               </a:tr>
-              <a:tr h="285752">
+              <a:tr h="292608">
                 <a:tc>
                   <a:txBody>
                     <a:bodyPr/>
@@ -4315,7 +4330,7 @@
                     <a:p>
                       <a:pPr algn="ctr" fontAlgn="ctr"/>
                       <a:r>
-                        <a:rPr lang="zh-CN" altLang="en-US" sz="1500" b="0" i="0" u="none" strike="noStrike">
+                        <a:rPr lang="zh-CN" altLang="en-US" sz="1500" b="0" i="0" u="none" strike="noStrike" dirty="0">
                           <a:solidFill>
                             <a:srgbClr val="000000"/>
                           </a:solidFill>
@@ -4370,7 +4385,7 @@
                   </a:ext>
                 </a:extLst>
               </a:tr>
-              <a:tr h="285752">
+              <a:tr h="292608">
                 <a:tc>
                   <a:txBody>
                     <a:bodyPr/>
@@ -4499,7 +4514,7 @@
                     <a:p>
                       <a:pPr algn="ctr" fontAlgn="ctr"/>
                       <a:r>
-                        <a:rPr lang="zh-CN" altLang="en-US" sz="1500" b="0" i="0" u="none" strike="noStrike">
+                        <a:rPr lang="zh-CN" altLang="en-US" sz="1500" b="0" i="0" u="none" strike="noStrike" dirty="0">
                           <a:solidFill>
                             <a:srgbClr val="000000"/>
                           </a:solidFill>
@@ -4554,7 +4569,7 @@
                   </a:ext>
                 </a:extLst>
               </a:tr>
-              <a:tr h="285752">
+              <a:tr h="292608">
                 <a:tc>
                   <a:txBody>
                     <a:bodyPr/>
@@ -4683,7 +4698,7 @@
                     <a:p>
                       <a:pPr algn="ctr" fontAlgn="ctr"/>
                       <a:r>
-                        <a:rPr lang="zh-CN" altLang="en-US" sz="1500" b="0" i="0" u="none" strike="noStrike">
+                        <a:rPr lang="zh-CN" altLang="en-US" sz="1500" b="0" i="0" u="none" strike="noStrike" dirty="0">
                           <a:solidFill>
                             <a:srgbClr val="000000"/>
                           </a:solidFill>
@@ -4738,7 +4753,7 @@
                   </a:ext>
                 </a:extLst>
               </a:tr>
-              <a:tr h="285752">
+              <a:tr h="292608">
                 <a:tc>
                   <a:txBody>
                     <a:bodyPr/>
@@ -4808,7 +4823,7 @@
                           </a:solidFill>
                           <a:latin typeface="微软雅黑"/>
                         </a:rPr>
-                        <a:t>12</a:t>
+                        <a:t>460</a:t>
                       </a:r>
                       <a:r>
                         <a:rPr lang="zh-CN" altLang="en-US" sz="1500" b="0" i="0" u="none" strike="noStrike" dirty="0">
@@ -4817,7 +4832,7 @@
                           </a:solidFill>
                           <a:latin typeface="微软雅黑"/>
                         </a:rPr>
-                        <a:t>次</a:t>
+                        <a:t>行</a:t>
                       </a:r>
                     </a:p>
                   </a:txBody>
@@ -4867,7 +4882,7 @@
                     <a:p>
                       <a:pPr algn="ctr" fontAlgn="ctr"/>
                       <a:r>
-                        <a:rPr lang="zh-CN" altLang="en-US" sz="1500" b="0" i="0" u="none" strike="noStrike">
+                        <a:rPr lang="zh-CN" altLang="en-US" sz="1500" b="0" i="0" u="none" strike="noStrike" dirty="0">
                           <a:solidFill>
                             <a:srgbClr val="000000"/>
                           </a:solidFill>
@@ -4922,7 +4937,7 @@
                   </a:ext>
                 </a:extLst>
               </a:tr>
-              <a:tr h="285752">
+              <a:tr h="292608">
                 <a:tc>
                   <a:txBody>
                     <a:bodyPr/>
@@ -4930,13 +4945,13 @@
                     <a:p>
                       <a:pPr algn="l" fontAlgn="ctr"/>
                       <a:r>
-                        <a:rPr lang="zh-CN" altLang="en-US" sz="1600" b="0" i="0" u="none" strike="noStrike">
+                        <a:rPr lang="zh-CN" altLang="en-US" sz="1600" b="0" i="0" u="none" strike="noStrike" dirty="0">
                           <a:solidFill>
                             <a:srgbClr val="000000"/>
                           </a:solidFill>
                           <a:latin typeface="微软雅黑"/>
                         </a:rPr>
-                        <a:t> 协助张诗怡完成油耗统计表、能效管理表</a:t>
+                        <a:t> 协助张诗怡主管完成油耗统计表、能效管理表</a:t>
                       </a:r>
                     </a:p>
                   </a:txBody>
@@ -4992,7 +5007,7 @@
                           </a:solidFill>
                           <a:latin typeface="微软雅黑"/>
                         </a:rPr>
-                        <a:t>2</a:t>
+                        <a:t>233</a:t>
                       </a:r>
                       <a:r>
                         <a:rPr lang="zh-CN" altLang="en-US" sz="1500" b="0" i="0" u="none" strike="noStrike" dirty="0">
@@ -5001,7 +5016,25 @@
                           </a:solidFill>
                           <a:latin typeface="微软雅黑"/>
                         </a:rPr>
-                        <a:t>张表</a:t>
+                        <a:t>行</a:t>
+                      </a:r>
+                      <a:r>
+                        <a:rPr lang="en-US" altLang="zh-CN" sz="1500" b="0" i="0" u="none" strike="noStrike" dirty="0">
+                          <a:solidFill>
+                            <a:srgbClr val="000000"/>
+                          </a:solidFill>
+                          <a:latin typeface="微软雅黑"/>
+                        </a:rPr>
+                        <a:t>+141</a:t>
+                      </a:r>
+                      <a:r>
+                        <a:rPr lang="zh-CN" altLang="en-US" sz="1500" b="0" i="0" u="none" strike="noStrike" dirty="0">
+                          <a:solidFill>
+                            <a:srgbClr val="000000"/>
+                          </a:solidFill>
+                          <a:latin typeface="微软雅黑"/>
+                        </a:rPr>
+                        <a:t>行</a:t>
                       </a:r>
                     </a:p>
                   </a:txBody>
@@ -5051,7 +5084,7 @@
                     <a:p>
                       <a:pPr algn="ctr" fontAlgn="ctr"/>
                       <a:r>
-                        <a:rPr lang="zh-CN" altLang="en-US" sz="1500" b="0" i="0" u="none" strike="noStrike">
+                        <a:rPr lang="zh-CN" altLang="en-US" sz="1500" b="0" i="0" u="none" strike="noStrike" dirty="0">
                           <a:solidFill>
                             <a:srgbClr val="000000"/>
                           </a:solidFill>
@@ -5106,7 +5139,7 @@
                   </a:ext>
                 </a:extLst>
               </a:tr>
-              <a:tr h="285752">
+              <a:tr h="292608">
                 <a:tc>
                   <a:txBody>
                     <a:bodyPr/>
@@ -5114,7 +5147,7 @@
                     <a:p>
                       <a:pPr algn="l" fontAlgn="ctr"/>
                       <a:r>
-                        <a:rPr lang="zh-CN" altLang="en-US" sz="1600" b="0" i="0" u="none" strike="noStrike">
+                        <a:rPr lang="zh-CN" altLang="en-US" sz="1600" b="0" i="0" u="none" strike="noStrike" dirty="0">
                           <a:solidFill>
                             <a:srgbClr val="000000"/>
                           </a:solidFill>
@@ -5235,7 +5268,7 @@
                     <a:p>
                       <a:pPr algn="ctr" fontAlgn="ctr"/>
                       <a:r>
-                        <a:rPr lang="en-US" altLang="zh-CN" sz="1500" b="0" i="0" u="none" strike="noStrike">
+                        <a:rPr lang="en-US" altLang="zh-CN" sz="1500" b="0" i="0" u="none" strike="noStrike" dirty="0">
                           <a:solidFill>
                             <a:srgbClr val="000000"/>
                           </a:solidFill>
@@ -5244,7 +5277,7 @@
                         <a:t>6-26</a:t>
                       </a:r>
                       <a:r>
-                        <a:rPr lang="zh-CN" altLang="en-US" sz="1500" b="0" i="0" u="none" strike="noStrike">
+                        <a:rPr lang="zh-CN" altLang="en-US" sz="1500" b="0" i="0" u="none" strike="noStrike" dirty="0">
                           <a:solidFill>
                             <a:srgbClr val="000000"/>
                           </a:solidFill>
@@ -5299,7 +5332,7 @@
                   </a:ext>
                 </a:extLst>
               </a:tr>
-              <a:tr h="285752">
+              <a:tr h="292608">
                 <a:tc>
                   <a:txBody>
                     <a:bodyPr/>
@@ -5428,7 +5461,7 @@
                     <a:p>
                       <a:pPr algn="ctr" fontAlgn="ctr"/>
                       <a:r>
-                        <a:rPr lang="zh-CN" altLang="en-US" sz="1500" b="0" i="0" u="none" strike="noStrike">
+                        <a:rPr lang="zh-CN" altLang="en-US" sz="1500" b="0" i="0" u="none" strike="noStrike" dirty="0">
                           <a:solidFill>
                             <a:srgbClr val="000000"/>
                           </a:solidFill>
@@ -5483,7 +5516,7 @@
                   </a:ext>
                 </a:extLst>
               </a:tr>
-              <a:tr h="285752">
+              <a:tr h="292608">
                 <a:tc>
                   <a:txBody>
                     <a:bodyPr/>
@@ -5676,7 +5709,7 @@
                   </a:ext>
                 </a:extLst>
               </a:tr>
-              <a:tr h="285752">
+              <a:tr h="292608">
                 <a:tc>
                   <a:txBody>
                     <a:bodyPr/>
@@ -5873,6 +5906,36 @@
           </a:graphicData>
         </a:graphic>
       </p:graphicFrame>
+      <p:pic>
+        <p:nvPicPr>
+          <p:cNvPr id="5" name="图片 4">
+            <a:extLst>
+              <a:ext uri="{FF2B5EF4-FFF2-40B4-BE49-F238E27FC236}">
+                <a16:creationId xmlns:a16="http://schemas.microsoft.com/office/drawing/2014/main" id="{25ECABE7-4944-42FE-AA1B-3907E7F808F9}"/>
+              </a:ext>
+            </a:extLst>
+          </p:cNvPr>
+          <p:cNvPicPr>
+            <a:picLocks noChangeAspect="1"/>
+          </p:cNvPicPr>
+          <p:nvPr/>
+        </p:nvPicPr>
+        <p:blipFill>
+          <a:blip r:embed="rId2"/>
+          <a:stretch>
+            <a:fillRect/>
+          </a:stretch>
+        </p:blipFill>
+        <p:spPr>
+          <a:xfrm>
+            <a:off x="9612560" y="1124744"/>
+            <a:ext cx="3537950" cy="3051968"/>
+          </a:xfrm>
+          <a:prstGeom prst="rect">
+            <a:avLst/>
+          </a:prstGeom>
+        </p:spPr>
+      </p:pic>
     </p:spTree>
   </p:cSld>
   <p:clrMapOvr>
@@ -5907,7 +5970,7 @@
         <p:spPr>
           <a:xfrm>
             <a:off x="963930" y="1500174"/>
-            <a:ext cx="6940550" cy="461665"/>
+            <a:ext cx="6940550" cy="4801314"/>
           </a:xfrm>
           <a:prstGeom prst="rect">
             <a:avLst/>
@@ -5924,14 +5987,184 @@
               <a:rPr lang="zh-CN" altLang="en-US" sz="2400" dirty="0">
                 <a:latin typeface="宋体" panose="02010600030101010101" pitchFamily="2" charset="-122"/>
               </a:rPr>
-              <a:t>1、</a:t>
+              <a:t>1、写了一个</a:t>
             </a:r>
             <a:r>
               <a:rPr lang="en-US" altLang="zh-CN" sz="2400" dirty="0">
                 <a:latin typeface="宋体" panose="02010600030101010101" pitchFamily="2" charset="-122"/>
               </a:rPr>
-              <a:t>1</a:t>
-            </a:r>
+              <a:t>460</a:t>
+            </a:r>
+            <a:r>
+              <a:rPr lang="zh-CN" altLang="en-US" sz="2400" dirty="0">
+                <a:latin typeface="宋体" panose="02010600030101010101" pitchFamily="2" charset="-122"/>
+              </a:rPr>
+              <a:t>行的</a:t>
+            </a:r>
+            <a:r>
+              <a:rPr lang="en-US" altLang="zh-CN" sz="2400" dirty="0" err="1">
+                <a:latin typeface="宋体" panose="02010600030101010101" pitchFamily="2" charset="-122"/>
+              </a:rPr>
+              <a:t>vba</a:t>
+            </a:r>
+            <a:r>
+              <a:rPr lang="zh-CN" altLang="en-US" sz="2400" dirty="0">
+                <a:latin typeface="宋体" panose="02010600030101010101" pitchFamily="2" charset="-122"/>
+              </a:rPr>
+              <a:t>代码来一键整合各船的业务管理计划表，使月度业务管理计划只剩下催收和批改。</a:t>
+            </a:r>
+            <a:endParaRPr lang="en-US" altLang="zh-CN" sz="2400" dirty="0">
+              <a:latin typeface="宋体" panose="02010600030101010101" pitchFamily="2" charset="-122"/>
+            </a:endParaRPr>
+          </a:p>
+          <a:p>
+            <a:endParaRPr lang="en-US" altLang="zh-CN" sz="2400" dirty="0">
+              <a:latin typeface="宋体" panose="02010600030101010101" pitchFamily="2" charset="-122"/>
+            </a:endParaRPr>
+          </a:p>
+          <a:p>
+            <a:r>
+              <a:rPr lang="en-US" altLang="zh-CN" sz="2400" dirty="0">
+                <a:latin typeface="宋体" panose="02010600030101010101" pitchFamily="2" charset="-122"/>
+              </a:rPr>
+              <a:t>2</a:t>
+            </a:r>
+            <a:r>
+              <a:rPr lang="zh-CN" altLang="en-US" sz="2400" dirty="0">
+                <a:latin typeface="宋体" panose="02010600030101010101" pitchFamily="2" charset="-122"/>
+              </a:rPr>
+              <a:t>、</a:t>
+            </a:r>
+            <a:r>
+              <a:rPr lang="en-US" altLang="zh-CN" sz="2400" dirty="0">
+                <a:latin typeface="宋体" panose="02010600030101010101" pitchFamily="2" charset="-122"/>
+              </a:rPr>
+              <a:t>233</a:t>
+            </a:r>
+            <a:r>
+              <a:rPr lang="zh-CN" altLang="en-US" sz="2400" dirty="0">
+                <a:latin typeface="宋体" panose="02010600030101010101" pitchFamily="2" charset="-122"/>
+              </a:rPr>
+              <a:t>行</a:t>
+            </a:r>
+            <a:r>
+              <a:rPr lang="en-US" altLang="zh-CN" sz="2400" dirty="0">
+                <a:latin typeface="宋体" panose="02010600030101010101" pitchFamily="2" charset="-122"/>
+              </a:rPr>
+              <a:t>+141</a:t>
+            </a:r>
+            <a:r>
+              <a:rPr lang="zh-CN" altLang="en-US" sz="2400" dirty="0">
+                <a:latin typeface="宋体" panose="02010600030101010101" pitchFamily="2" charset="-122"/>
+              </a:rPr>
+              <a:t>行：收集各船各航次油耗数据和能效管理数据只需一次点击。</a:t>
+            </a:r>
+            <a:endParaRPr lang="en-US" altLang="zh-CN" sz="2400" dirty="0">
+              <a:latin typeface="宋体" panose="02010600030101010101" pitchFamily="2" charset="-122"/>
+            </a:endParaRPr>
+          </a:p>
+          <a:p>
+            <a:endParaRPr lang="en-US" altLang="zh-CN" sz="2400" dirty="0">
+              <a:latin typeface="宋体" panose="02010600030101010101" pitchFamily="2" charset="-122"/>
+            </a:endParaRPr>
+          </a:p>
+          <a:p>
+            <a:r>
+              <a:rPr lang="zh-CN" altLang="en-US" sz="2400" dirty="0">
+                <a:latin typeface="宋体" panose="02010600030101010101" pitchFamily="2" charset="-122"/>
+              </a:rPr>
+              <a:t>原操作流程：打开航运在线</a:t>
+            </a:r>
+            <a:r>
+              <a:rPr lang="en-US" altLang="zh-CN" sz="2400" dirty="0">
+                <a:latin typeface="宋体" panose="02010600030101010101" pitchFamily="2" charset="-122"/>
+              </a:rPr>
+              <a:t>-</a:t>
+            </a:r>
+            <a:r>
+              <a:rPr lang="zh-CN" altLang="en-US" sz="2400" dirty="0">
+                <a:latin typeface="宋体" panose="02010600030101010101" pitchFamily="2" charset="-122"/>
+              </a:rPr>
+              <a:t>打开油料管理部</a:t>
+            </a:r>
+            <a:r>
+              <a:rPr lang="en-US" altLang="zh-CN" sz="2400" dirty="0">
+                <a:latin typeface="宋体" panose="02010600030101010101" pitchFamily="2" charset="-122"/>
+              </a:rPr>
+              <a:t>-</a:t>
+            </a:r>
+            <a:r>
+              <a:rPr lang="zh-CN" altLang="en-US" sz="2400" dirty="0">
+                <a:latin typeface="宋体" panose="02010600030101010101" pitchFamily="2" charset="-122"/>
+              </a:rPr>
+              <a:t>打开航次报表</a:t>
+            </a:r>
+            <a:r>
+              <a:rPr lang="en-US" altLang="zh-CN" sz="2400" dirty="0">
+                <a:latin typeface="宋体" panose="02010600030101010101" pitchFamily="2" charset="-122"/>
+              </a:rPr>
+              <a:t>-</a:t>
+            </a:r>
+            <a:r>
+              <a:rPr lang="zh-CN" altLang="en-US" sz="2400" dirty="0">
+                <a:latin typeface="宋体" panose="02010600030101010101" pitchFamily="2" charset="-122"/>
+              </a:rPr>
+              <a:t>打开某船</a:t>
+            </a:r>
+            <a:r>
+              <a:rPr lang="en-US" altLang="zh-CN" sz="2400" dirty="0">
+                <a:latin typeface="宋体" panose="02010600030101010101" pitchFamily="2" charset="-122"/>
+              </a:rPr>
+              <a:t>-</a:t>
+            </a:r>
+            <a:r>
+              <a:rPr lang="zh-CN" altLang="en-US" sz="2400" dirty="0">
+                <a:latin typeface="宋体" panose="02010600030101010101" pitchFamily="2" charset="-122"/>
+              </a:rPr>
+              <a:t>打开</a:t>
+            </a:r>
+            <a:r>
+              <a:rPr lang="en-US" altLang="zh-CN" sz="2400" dirty="0">
+                <a:latin typeface="宋体" panose="02010600030101010101" pitchFamily="2" charset="-122"/>
+              </a:rPr>
+              <a:t>2017</a:t>
+            </a:r>
+            <a:r>
+              <a:rPr lang="zh-CN" altLang="en-US" sz="2400" dirty="0">
+                <a:latin typeface="宋体" panose="02010600030101010101" pitchFamily="2" charset="-122"/>
+              </a:rPr>
+              <a:t>年文件夹</a:t>
+            </a:r>
+            <a:r>
+              <a:rPr lang="en-US" altLang="zh-CN" sz="2400" dirty="0">
+                <a:latin typeface="宋体" panose="02010600030101010101" pitchFamily="2" charset="-122"/>
+              </a:rPr>
+              <a:t>-</a:t>
+            </a:r>
+            <a:r>
+              <a:rPr lang="zh-CN" altLang="en-US" sz="2400" dirty="0">
+                <a:latin typeface="宋体" panose="02010600030101010101" pitchFamily="2" charset="-122"/>
+              </a:rPr>
+              <a:t>打开所属航次的航次报表，一个个手动引用目标单元格</a:t>
+            </a:r>
+            <a:endParaRPr lang="en-US" altLang="zh-CN" sz="2400" dirty="0">
+              <a:latin typeface="宋体" panose="02010600030101010101" pitchFamily="2" charset="-122"/>
+            </a:endParaRPr>
+          </a:p>
+          <a:p>
+            <a:endParaRPr lang="en-US" altLang="zh-CN" sz="2400" dirty="0">
+              <a:latin typeface="宋体" panose="02010600030101010101" pitchFamily="2" charset="-122"/>
+            </a:endParaRPr>
+          </a:p>
+          <a:p>
+            <a:r>
+              <a:rPr lang="zh-CN" altLang="en-US" sz="2400" dirty="0">
+                <a:latin typeface="宋体" panose="02010600030101010101" pitchFamily="2" charset="-122"/>
+              </a:rPr>
+              <a:t>现操作流程：点击一下按钮，喝杯水等完成。</a:t>
+            </a:r>
+          </a:p>
+          <a:p>
             <a:endParaRPr lang="zh-CN" altLang="en-US" dirty="0"/>
           </a:p>
         </p:txBody>
@@ -6072,8 +6305,9 @@
             </a:r>
             <a:r>
               <a:rPr lang="zh-CN" altLang="en-US" sz="2400" dirty="0"/>
-              <a:t>、对邮件的读取不够及时，深入，对领导的意图把握不够明确</a:t>
-            </a:r>
+              <a:t>、代码较为繁琐，格式不够规范，不利于后期维护，效率有待改进。</a:t>
+            </a:r>
+            <a:endParaRPr lang="en-US" altLang="zh-CN" sz="2400" dirty="0"/>
           </a:p>
           <a:p>
             <a:pPr marL="0" indent="0">
@@ -6091,6 +6325,26 @@
             </a:r>
             <a:r>
               <a:rPr lang="zh-CN" altLang="en-US" sz="2400" dirty="0"/>
+              <a:t>、对邮件的读取不够及时，深入，对领导的意图把握不够明确</a:t>
+            </a:r>
+            <a:endParaRPr lang="en-US" altLang="zh-CN" sz="2400" dirty="0"/>
+          </a:p>
+          <a:p>
+            <a:pPr marL="0" indent="0">
+              <a:buNone/>
+            </a:pPr>
+            <a:endParaRPr lang="zh-CN" altLang="en-US" sz="2400" dirty="0"/>
+          </a:p>
+          <a:p>
+            <a:pPr marL="0" indent="0">
+              <a:buNone/>
+            </a:pPr>
+            <a:r>
+              <a:rPr lang="en-US" altLang="zh-CN" sz="2400" dirty="0"/>
+              <a:t>3</a:t>
+            </a:r>
+            <a:r>
+              <a:rPr lang="zh-CN" altLang="en-US" sz="2400" dirty="0"/>
               <a:t>、航运市场的信息收集仍然很贫乏，不够全面和详细。</a:t>
             </a:r>
           </a:p>
@@ -6134,19 +6388,13 @@
             </a:r>
             <a:r>
               <a:rPr lang="zh-CN" altLang="en-US" sz="2400" dirty="0"/>
-              <a:t>存在误差</a:t>
+              <a:t>存在误差，使用未能普及</a:t>
             </a:r>
           </a:p>
           <a:p>
             <a:pPr marL="0" indent="0">
               <a:buNone/>
             </a:pPr>
-            <a:endParaRPr lang="zh-CN" altLang="en-US" sz="2400" dirty="0"/>
-          </a:p>
-          <a:p>
-            <a:pPr marL="0" indent="0">
-              <a:buNone/>
-            </a:pPr>
             <a:r>
               <a:rPr lang="en-US" altLang="zh-CN" sz="2400" dirty="0"/>
               <a:t>4</a:t>
@@ -6155,14 +6403,6 @@
               <a:rPr lang="zh-CN" altLang="en-US" sz="2400" dirty="0"/>
               <a:t>、</a:t>
             </a:r>
-            <a:endParaRPr lang="zh-CN" altLang="en-US" sz="2400" dirty="0">
-              <a:sym typeface="+mn-ea"/>
-            </a:endParaRPr>
-          </a:p>
-          <a:p>
-            <a:pPr marL="0" indent="0">
-              <a:buNone/>
-            </a:pPr>
             <a:endParaRPr lang="zh-CN" altLang="en-US" sz="2400" dirty="0">
               <a:sym typeface="+mn-ea"/>
             </a:endParaRPr>
@@ -6307,7 +6547,23 @@
             </a:r>
             <a:r>
               <a:rPr lang="zh-CN" altLang="en-US" sz="2400" dirty="0"/>
-              <a:t>、</a:t>
+              <a:t>、参加</a:t>
+            </a:r>
+            <a:r>
+              <a:rPr lang="en-US" altLang="zh-CN" sz="2400" dirty="0" err="1"/>
+              <a:t>dataloy</a:t>
+            </a:r>
+            <a:r>
+              <a:rPr lang="zh-CN" altLang="en-US" sz="2400" dirty="0"/>
+              <a:t>的培训，多思考如何能让</a:t>
+            </a:r>
+            <a:r>
+              <a:rPr lang="en-US" altLang="zh-CN" sz="2400" dirty="0" err="1"/>
+              <a:t>dataloy</a:t>
+            </a:r>
+            <a:r>
+              <a:rPr lang="zh-CN" altLang="en-US" sz="2400" dirty="0"/>
+              <a:t>普及使用</a:t>
             </a:r>
             <a:endParaRPr lang="en-US" altLang="zh-CN" sz="2400" dirty="0"/>
           </a:p>
@@ -6523,7 +6779,35 @@
                 <a:latin typeface="宋体" panose="02010600030101010101" pitchFamily="2" charset="-122"/>
                 <a:ea typeface="宋体" panose="02010600030101010101" pitchFamily="2" charset="-122"/>
               </a:rPr>
-              <a:t>、继续做好本职工作</a:t>
+              <a:t>、将</a:t>
+            </a:r>
+            <a:r>
+              <a:rPr lang="en-US" altLang="zh-CN" sz="2400" dirty="0" err="1">
+                <a:latin typeface="宋体" panose="02010600030101010101" pitchFamily="2" charset="-122"/>
+                <a:ea typeface="宋体" panose="02010600030101010101" pitchFamily="2" charset="-122"/>
+              </a:rPr>
+              <a:t>dataloy</a:t>
+            </a:r>
+            <a:r>
+              <a:rPr lang="zh-CN" altLang="en-US" sz="2400" dirty="0">
+                <a:latin typeface="宋体" panose="02010600030101010101" pitchFamily="2" charset="-122"/>
+                <a:ea typeface="宋体" panose="02010600030101010101" pitchFamily="2" charset="-122"/>
+              </a:rPr>
+              <a:t>升级到新版本，使结算的</a:t>
+            </a:r>
+            <a:r>
+              <a:rPr lang="en-US" altLang="zh-CN" sz="2400" dirty="0" err="1">
+                <a:latin typeface="宋体" panose="02010600030101010101" pitchFamily="2" charset="-122"/>
+                <a:ea typeface="宋体" panose="02010600030101010101" pitchFamily="2" charset="-122"/>
+              </a:rPr>
+              <a:t>tc</a:t>
+            </a:r>
+            <a:r>
+              <a:rPr lang="zh-CN" altLang="en-US" sz="2400" dirty="0">
+                <a:latin typeface="宋体" panose="02010600030101010101" pitchFamily="2" charset="-122"/>
+                <a:ea typeface="宋体" panose="02010600030101010101" pitchFamily="2" charset="-122"/>
+              </a:rPr>
+              <a:t>符合当前的算法。</a:t>
             </a:r>
             <a:endParaRPr lang="en-US" altLang="zh-CN" sz="2400" dirty="0">
               <a:latin typeface="宋体" panose="02010600030101010101" pitchFamily="2" charset="-122"/>
